--- a/images/propulsionElements/rcsMockups.pptx
+++ b/images/propulsionElements/rcsMockups.pptx
@@ -8,6 +8,7 @@
     <p:sldId id="256" r:id="rId2"/>
     <p:sldId id="257" r:id="rId3"/>
     <p:sldId id="258" r:id="rId4"/>
+    <p:sldId id="259" r:id="rId5"/>
   </p:sldIdLst>
   <p:sldSz cx="12192000" cy="6858000"/>
   <p:notesSz cx="6858000" cy="9144000"/>
@@ -106,6 +107,11 @@
       </a:defRPr>
     </a:lvl9pPr>
   </p:defaultTextStyle>
+  <p:extLst>
+    <p:ext uri="{EFAFB233-063F-42B5-8137-9DF3F51BA10A}">
+      <p15:sldGuideLst xmlns:p15="http://schemas.microsoft.com/office/powerpoint/2012/main"/>
+    </p:ext>
+  </p:extLst>
 </p:presentation>
 </file>
 
@@ -256,7 +262,7 @@
           <a:p>
             <a:fld id="{48119B2E-822D-0646-9635-2ECFF55D1B89}" type="datetimeFigureOut">
               <a:rPr lang="en-US" smtClean="0"/>
-              <a:t>11/26/19</a:t>
+              <a:t>11/28/19</a:t>
             </a:fld>
             <a:endParaRPr lang="en-US"/>
           </a:p>
@@ -454,7 +460,7 @@
           <a:p>
             <a:fld id="{48119B2E-822D-0646-9635-2ECFF55D1B89}" type="datetimeFigureOut">
               <a:rPr lang="en-US" smtClean="0"/>
-              <a:t>11/26/19</a:t>
+              <a:t>11/28/19</a:t>
             </a:fld>
             <a:endParaRPr lang="en-US"/>
           </a:p>
@@ -662,7 +668,7 @@
           <a:p>
             <a:fld id="{48119B2E-822D-0646-9635-2ECFF55D1B89}" type="datetimeFigureOut">
               <a:rPr lang="en-US" smtClean="0"/>
-              <a:t>11/26/19</a:t>
+              <a:t>11/28/19</a:t>
             </a:fld>
             <a:endParaRPr lang="en-US"/>
           </a:p>
@@ -860,7 +866,7 @@
           <a:p>
             <a:fld id="{48119B2E-822D-0646-9635-2ECFF55D1B89}" type="datetimeFigureOut">
               <a:rPr lang="en-US" smtClean="0"/>
-              <a:t>11/26/19</a:t>
+              <a:t>11/28/19</a:t>
             </a:fld>
             <a:endParaRPr lang="en-US"/>
           </a:p>
@@ -1135,7 +1141,7 @@
           <a:p>
             <a:fld id="{48119B2E-822D-0646-9635-2ECFF55D1B89}" type="datetimeFigureOut">
               <a:rPr lang="en-US" smtClean="0"/>
-              <a:t>11/26/19</a:t>
+              <a:t>11/28/19</a:t>
             </a:fld>
             <a:endParaRPr lang="en-US"/>
           </a:p>
@@ -1400,7 +1406,7 @@
           <a:p>
             <a:fld id="{48119B2E-822D-0646-9635-2ECFF55D1B89}" type="datetimeFigureOut">
               <a:rPr lang="en-US" smtClean="0"/>
-              <a:t>11/26/19</a:t>
+              <a:t>11/28/19</a:t>
             </a:fld>
             <a:endParaRPr lang="en-US"/>
           </a:p>
@@ -1812,7 +1818,7 @@
           <a:p>
             <a:fld id="{48119B2E-822D-0646-9635-2ECFF55D1B89}" type="datetimeFigureOut">
               <a:rPr lang="en-US" smtClean="0"/>
-              <a:t>11/26/19</a:t>
+              <a:t>11/28/19</a:t>
             </a:fld>
             <a:endParaRPr lang="en-US"/>
           </a:p>
@@ -1953,7 +1959,7 @@
           <a:p>
             <a:fld id="{48119B2E-822D-0646-9635-2ECFF55D1B89}" type="datetimeFigureOut">
               <a:rPr lang="en-US" smtClean="0"/>
-              <a:t>11/26/19</a:t>
+              <a:t>11/28/19</a:t>
             </a:fld>
             <a:endParaRPr lang="en-US"/>
           </a:p>
@@ -2066,7 +2072,7 @@
           <a:p>
             <a:fld id="{48119B2E-822D-0646-9635-2ECFF55D1B89}" type="datetimeFigureOut">
               <a:rPr lang="en-US" smtClean="0"/>
-              <a:t>11/26/19</a:t>
+              <a:t>11/28/19</a:t>
             </a:fld>
             <a:endParaRPr lang="en-US"/>
           </a:p>
@@ -2377,7 +2383,7 @@
           <a:p>
             <a:fld id="{48119B2E-822D-0646-9635-2ECFF55D1B89}" type="datetimeFigureOut">
               <a:rPr lang="en-US" smtClean="0"/>
-              <a:t>11/26/19</a:t>
+              <a:t>11/28/19</a:t>
             </a:fld>
             <a:endParaRPr lang="en-US"/>
           </a:p>
@@ -2665,7 +2671,7 @@
           <a:p>
             <a:fld id="{48119B2E-822D-0646-9635-2ECFF55D1B89}" type="datetimeFigureOut">
               <a:rPr lang="en-US" smtClean="0"/>
-              <a:t>11/26/19</a:t>
+              <a:t>11/28/19</a:t>
             </a:fld>
             <a:endParaRPr lang="en-US"/>
           </a:p>
@@ -2906,7 +2912,7 @@
           <a:p>
             <a:fld id="{48119B2E-822D-0646-9635-2ECFF55D1B89}" type="datetimeFigureOut">
               <a:rPr lang="en-US" smtClean="0"/>
-              <a:t>11/26/19</a:t>
+              <a:t>11/28/19</a:t>
             </a:fld>
             <a:endParaRPr lang="en-US"/>
           </a:p>
@@ -8201,7 +8207,7 @@
         </p:nvGrpSpPr>
         <p:grpSpPr>
           <a:xfrm>
-            <a:off x="296300" y="3784223"/>
+            <a:off x="0" y="4567362"/>
             <a:ext cx="2432270" cy="1721922"/>
             <a:chOff x="296300" y="3784223"/>
             <a:chExt cx="2432270" cy="1721922"/>
@@ -8318,7 +8324,7 @@
         </p:nvGrpSpPr>
         <p:grpSpPr>
           <a:xfrm>
-            <a:off x="3419907" y="4259701"/>
+            <a:off x="3028750" y="4153397"/>
             <a:ext cx="2505694" cy="709706"/>
             <a:chOff x="3419907" y="4259701"/>
             <a:chExt cx="2505694" cy="709706"/>
@@ -8437,7 +8443,7 @@
         </p:nvGrpSpPr>
         <p:grpSpPr>
           <a:xfrm>
-            <a:off x="6527470" y="4259701"/>
+            <a:off x="3028750" y="5532386"/>
             <a:ext cx="2505694" cy="709706"/>
             <a:chOff x="6527470" y="4259701"/>
             <a:chExt cx="2505694" cy="709706"/>
@@ -8598,7 +8604,7 @@
         </p:nvGrpSpPr>
         <p:grpSpPr>
           <a:xfrm>
-            <a:off x="9820274" y="3784223"/>
+            <a:off x="6290446" y="4318612"/>
             <a:ext cx="1718582" cy="1721922"/>
             <a:chOff x="9820274" y="3784223"/>
             <a:chExt cx="1718582" cy="1721922"/>
@@ -8718,7 +8724,7 @@
         </p:nvGrpSpPr>
         <p:grpSpPr>
           <a:xfrm>
-            <a:off x="9767268" y="792214"/>
+            <a:off x="8765030" y="4228098"/>
             <a:ext cx="1787796" cy="1993325"/>
             <a:chOff x="9767268" y="792214"/>
             <a:chExt cx="1787796" cy="1993325"/>
@@ -8917,10 +8923,1043 @@
           </p:txBody>
         </p:sp>
       </p:grpSp>
+      <p:grpSp>
+        <p:nvGrpSpPr>
+          <p:cNvPr id="37" name="Group 36">
+            <a:extLst>
+              <a:ext uri="{FF2B5EF4-FFF2-40B4-BE49-F238E27FC236}">
+                <a16:creationId xmlns:a16="http://schemas.microsoft.com/office/drawing/2014/main" id="{2E8BFBF4-A36A-3043-AC12-E48CC29817F0}"/>
+              </a:ext>
+            </a:extLst>
+          </p:cNvPr>
+          <p:cNvGrpSpPr/>
+          <p:nvPr/>
+        </p:nvGrpSpPr>
+        <p:grpSpPr>
+          <a:xfrm>
+            <a:off x="8956592" y="154751"/>
+            <a:ext cx="1984540" cy="2549853"/>
+            <a:chOff x="3048619" y="879146"/>
+            <a:chExt cx="1984540" cy="2549853"/>
+          </a:xfrm>
+        </p:grpSpPr>
+        <p:sp>
+          <p:nvSpPr>
+            <p:cNvPr id="39" name="Trapezoid 38">
+              <a:extLst>
+                <a:ext uri="{FF2B5EF4-FFF2-40B4-BE49-F238E27FC236}">
+                  <a16:creationId xmlns:a16="http://schemas.microsoft.com/office/drawing/2014/main" id="{C9D781CA-ABBA-254A-AA50-1D884DBB3CC7}"/>
+                </a:ext>
+              </a:extLst>
+            </p:cNvPr>
+            <p:cNvSpPr/>
+            <p:nvPr/>
+          </p:nvSpPr>
+          <p:spPr>
+            <a:xfrm rot="10800000">
+              <a:off x="3048619" y="879146"/>
+              <a:ext cx="1680606" cy="1274927"/>
+            </a:xfrm>
+            <a:prstGeom prst="trapezoid">
+              <a:avLst>
+                <a:gd name="adj" fmla="val 61133"/>
+              </a:avLst>
+            </a:prstGeom>
+            <a:solidFill>
+              <a:schemeClr val="tx1">
+                <a:lumMod val="75000"/>
+                <a:lumOff val="25000"/>
+              </a:schemeClr>
+            </a:solidFill>
+            <a:ln w="28575">
+              <a:solidFill>
+                <a:schemeClr val="tx1"/>
+              </a:solidFill>
+              <a:extLst>
+                <a:ext uri="{C807C97D-BFC1-408E-A445-0C87EB9F89A2}">
+                  <ask:lineSketchStyleProps xmlns:ask="http://schemas.microsoft.com/office/drawing/2018/sketchyshapes" sd="628287858">
+                    <a:custGeom>
+                      <a:avLst/>
+                      <a:gdLst>
+                        <a:gd name="connsiteX0" fmla="*/ 0 w 3798870"/>
+                        <a:gd name="connsiteY0" fmla="*/ 3051960 h 3051960"/>
+                        <a:gd name="connsiteX1" fmla="*/ 293556 w 3798870"/>
+                        <a:gd name="connsiteY1" fmla="*/ 2441568 h 3051960"/>
+                        <a:gd name="connsiteX2" fmla="*/ 601789 w 3798870"/>
+                        <a:gd name="connsiteY2" fmla="*/ 1800656 h 3051960"/>
+                        <a:gd name="connsiteX3" fmla="*/ 851312 w 3798870"/>
+                        <a:gd name="connsiteY3" fmla="*/ 1281823 h 3051960"/>
+                        <a:gd name="connsiteX4" fmla="*/ 1130190 w 3798870"/>
+                        <a:gd name="connsiteY4" fmla="*/ 701951 h 3051960"/>
+                        <a:gd name="connsiteX5" fmla="*/ 1467779 w 3798870"/>
+                        <a:gd name="connsiteY5" fmla="*/ 0 h 3051960"/>
+                        <a:gd name="connsiteX6" fmla="*/ 1899435 w 3798870"/>
+                        <a:gd name="connsiteY6" fmla="*/ 0 h 3051960"/>
+                        <a:gd name="connsiteX7" fmla="*/ 2331091 w 3798870"/>
+                        <a:gd name="connsiteY7" fmla="*/ 0 h 3051960"/>
+                        <a:gd name="connsiteX8" fmla="*/ 2654002 w 3798870"/>
+                        <a:gd name="connsiteY8" fmla="*/ 671431 h 3051960"/>
+                        <a:gd name="connsiteX9" fmla="*/ 2903525 w 3798870"/>
+                        <a:gd name="connsiteY9" fmla="*/ 1190264 h 3051960"/>
+                        <a:gd name="connsiteX10" fmla="*/ 3167725 w 3798870"/>
+                        <a:gd name="connsiteY10" fmla="*/ 1739617 h 3051960"/>
+                        <a:gd name="connsiteX11" fmla="*/ 3475959 w 3798870"/>
+                        <a:gd name="connsiteY11" fmla="*/ 2380529 h 3051960"/>
+                        <a:gd name="connsiteX12" fmla="*/ 3798870 w 3798870"/>
+                        <a:gd name="connsiteY12" fmla="*/ 3051960 h 3051960"/>
+                        <a:gd name="connsiteX13" fmla="*/ 3203714 w 3798870"/>
+                        <a:gd name="connsiteY13" fmla="*/ 3051960 h 3051960"/>
+                        <a:gd name="connsiteX14" fmla="*/ 2646546 w 3798870"/>
+                        <a:gd name="connsiteY14" fmla="*/ 3051960 h 3051960"/>
+                        <a:gd name="connsiteX15" fmla="*/ 2013401 w 3798870"/>
+                        <a:gd name="connsiteY15" fmla="*/ 3051960 h 3051960"/>
+                        <a:gd name="connsiteX16" fmla="*/ 1456234 w 3798870"/>
+                        <a:gd name="connsiteY16" fmla="*/ 3051960 h 3051960"/>
+                        <a:gd name="connsiteX17" fmla="*/ 937055 w 3798870"/>
+                        <a:gd name="connsiteY17" fmla="*/ 3051960 h 3051960"/>
+                        <a:gd name="connsiteX18" fmla="*/ 0 w 3798870"/>
+                        <a:gd name="connsiteY18" fmla="*/ 3051960 h 3051960"/>
+                      </a:gdLst>
+                      <a:ahLst/>
+                      <a:cxnLst>
+                        <a:cxn ang="0">
+                          <a:pos x="connsiteX0" y="connsiteY0"/>
+                        </a:cxn>
+                        <a:cxn ang="0">
+                          <a:pos x="connsiteX1" y="connsiteY1"/>
+                        </a:cxn>
+                        <a:cxn ang="0">
+                          <a:pos x="connsiteX2" y="connsiteY2"/>
+                        </a:cxn>
+                        <a:cxn ang="0">
+                          <a:pos x="connsiteX3" y="connsiteY3"/>
+                        </a:cxn>
+                        <a:cxn ang="0">
+                          <a:pos x="connsiteX4" y="connsiteY4"/>
+                        </a:cxn>
+                        <a:cxn ang="0">
+                          <a:pos x="connsiteX5" y="connsiteY5"/>
+                        </a:cxn>
+                        <a:cxn ang="0">
+                          <a:pos x="connsiteX6" y="connsiteY6"/>
+                        </a:cxn>
+                        <a:cxn ang="0">
+                          <a:pos x="connsiteX7" y="connsiteY7"/>
+                        </a:cxn>
+                        <a:cxn ang="0">
+                          <a:pos x="connsiteX8" y="connsiteY8"/>
+                        </a:cxn>
+                        <a:cxn ang="0">
+                          <a:pos x="connsiteX9" y="connsiteY9"/>
+                        </a:cxn>
+                        <a:cxn ang="0">
+                          <a:pos x="connsiteX10" y="connsiteY10"/>
+                        </a:cxn>
+                        <a:cxn ang="0">
+                          <a:pos x="connsiteX11" y="connsiteY11"/>
+                        </a:cxn>
+                        <a:cxn ang="0">
+                          <a:pos x="connsiteX12" y="connsiteY12"/>
+                        </a:cxn>
+                        <a:cxn ang="0">
+                          <a:pos x="connsiteX13" y="connsiteY13"/>
+                        </a:cxn>
+                        <a:cxn ang="0">
+                          <a:pos x="connsiteX14" y="connsiteY14"/>
+                        </a:cxn>
+                        <a:cxn ang="0">
+                          <a:pos x="connsiteX15" y="connsiteY15"/>
+                        </a:cxn>
+                        <a:cxn ang="0">
+                          <a:pos x="connsiteX16" y="connsiteY16"/>
+                        </a:cxn>
+                        <a:cxn ang="0">
+                          <a:pos x="connsiteX17" y="connsiteY17"/>
+                        </a:cxn>
+                        <a:cxn ang="0">
+                          <a:pos x="connsiteX18" y="connsiteY18"/>
+                        </a:cxn>
+                      </a:cxnLst>
+                      <a:rect l="l" t="t" r="r" b="b"/>
+                      <a:pathLst>
+                        <a:path w="3798870" h="3051960" fill="none" extrusionOk="0">
+                          <a:moveTo>
+                            <a:pt x="0" y="3051960"/>
+                          </a:moveTo>
+                          <a:cubicBezTo>
+                            <a:pt x="131451" y="2814735"/>
+                            <a:pt x="192359" y="2693297"/>
+                            <a:pt x="293556" y="2441568"/>
+                          </a:cubicBezTo>
+                          <a:cubicBezTo>
+                            <a:pt x="394753" y="2189839"/>
+                            <a:pt x="455586" y="2116580"/>
+                            <a:pt x="601789" y="1800656"/>
+                          </a:cubicBezTo>
+                          <a:cubicBezTo>
+                            <a:pt x="747993" y="1484733"/>
+                            <a:pt x="740581" y="1477520"/>
+                            <a:pt x="851312" y="1281823"/>
+                          </a:cubicBezTo>
+                          <a:cubicBezTo>
+                            <a:pt x="962043" y="1086126"/>
+                            <a:pt x="1020765" y="998752"/>
+                            <a:pt x="1130190" y="701951"/>
+                          </a:cubicBezTo>
+                          <a:cubicBezTo>
+                            <a:pt x="1239615" y="405150"/>
+                            <a:pt x="1386417" y="145277"/>
+                            <a:pt x="1467779" y="0"/>
+                          </a:cubicBezTo>
+                          <a:cubicBezTo>
+                            <a:pt x="1562173" y="9004"/>
+                            <a:pt x="1747646" y="7893"/>
+                            <a:pt x="1899435" y="0"/>
+                          </a:cubicBezTo>
+                          <a:cubicBezTo>
+                            <a:pt x="2051224" y="-7893"/>
+                            <a:pt x="2225663" y="-10746"/>
+                            <a:pt x="2331091" y="0"/>
+                          </a:cubicBezTo>
+                          <a:cubicBezTo>
+                            <a:pt x="2471412" y="245094"/>
+                            <a:pt x="2585763" y="451162"/>
+                            <a:pt x="2654002" y="671431"/>
+                          </a:cubicBezTo>
+                          <a:cubicBezTo>
+                            <a:pt x="2722241" y="891700"/>
+                            <a:pt x="2811419" y="989480"/>
+                            <a:pt x="2903525" y="1190264"/>
+                          </a:cubicBezTo>
+                          <a:cubicBezTo>
+                            <a:pt x="2995631" y="1391048"/>
+                            <a:pt x="3105172" y="1596717"/>
+                            <a:pt x="3167725" y="1739617"/>
+                          </a:cubicBezTo>
+                          <a:cubicBezTo>
+                            <a:pt x="3230278" y="1882517"/>
+                            <a:pt x="3382994" y="2141901"/>
+                            <a:pt x="3475959" y="2380529"/>
+                          </a:cubicBezTo>
+                          <a:cubicBezTo>
+                            <a:pt x="3568924" y="2619157"/>
+                            <a:pt x="3699706" y="2765915"/>
+                            <a:pt x="3798870" y="3051960"/>
+                          </a:cubicBezTo>
+                          <a:cubicBezTo>
+                            <a:pt x="3529046" y="3061713"/>
+                            <a:pt x="3469938" y="3055598"/>
+                            <a:pt x="3203714" y="3051960"/>
+                          </a:cubicBezTo>
+                          <a:cubicBezTo>
+                            <a:pt x="2937490" y="3048322"/>
+                            <a:pt x="2828991" y="3075505"/>
+                            <a:pt x="2646546" y="3051960"/>
+                          </a:cubicBezTo>
+                          <a:cubicBezTo>
+                            <a:pt x="2464101" y="3028415"/>
+                            <a:pt x="2168594" y="3076786"/>
+                            <a:pt x="2013401" y="3051960"/>
+                          </a:cubicBezTo>
+                          <a:cubicBezTo>
+                            <a:pt x="1858209" y="3027134"/>
+                            <a:pt x="1605359" y="3042753"/>
+                            <a:pt x="1456234" y="3051960"/>
+                          </a:cubicBezTo>
+                          <a:cubicBezTo>
+                            <a:pt x="1307109" y="3061167"/>
+                            <a:pt x="1088390" y="3058707"/>
+                            <a:pt x="937055" y="3051960"/>
+                          </a:cubicBezTo>
+                          <a:cubicBezTo>
+                            <a:pt x="785720" y="3045213"/>
+                            <a:pt x="343381" y="3084205"/>
+                            <a:pt x="0" y="3051960"/>
+                          </a:cubicBezTo>
+                          <a:close/>
+                        </a:path>
+                        <a:path w="3798870" h="3051960" stroke="0" extrusionOk="0">
+                          <a:moveTo>
+                            <a:pt x="0" y="3051960"/>
+                          </a:moveTo>
+                          <a:cubicBezTo>
+                            <a:pt x="75437" y="2826647"/>
+                            <a:pt x="158307" y="2683216"/>
+                            <a:pt x="322911" y="2380529"/>
+                          </a:cubicBezTo>
+                          <a:cubicBezTo>
+                            <a:pt x="487515" y="2077842"/>
+                            <a:pt x="508603" y="2001725"/>
+                            <a:pt x="572434" y="1861696"/>
+                          </a:cubicBezTo>
+                          <a:cubicBezTo>
+                            <a:pt x="636265" y="1721667"/>
+                            <a:pt x="726443" y="1467154"/>
+                            <a:pt x="865990" y="1251304"/>
+                          </a:cubicBezTo>
+                          <a:cubicBezTo>
+                            <a:pt x="1005537" y="1035454"/>
+                            <a:pt x="1060827" y="879258"/>
+                            <a:pt x="1144868" y="671431"/>
+                          </a:cubicBezTo>
+                          <a:cubicBezTo>
+                            <a:pt x="1228909" y="463604"/>
+                            <a:pt x="1381668" y="140251"/>
+                            <a:pt x="1467779" y="0"/>
+                          </a:cubicBezTo>
+                          <a:cubicBezTo>
+                            <a:pt x="1589825" y="-11930"/>
+                            <a:pt x="1745036" y="3951"/>
+                            <a:pt x="1882169" y="0"/>
+                          </a:cubicBezTo>
+                          <a:cubicBezTo>
+                            <a:pt x="2019302" y="-3951"/>
+                            <a:pt x="2195662" y="5589"/>
+                            <a:pt x="2331091" y="0"/>
+                          </a:cubicBezTo>
+                          <a:cubicBezTo>
+                            <a:pt x="2436761" y="161251"/>
+                            <a:pt x="2494151" y="379686"/>
+                            <a:pt x="2654002" y="671431"/>
+                          </a:cubicBezTo>
+                          <a:cubicBezTo>
+                            <a:pt x="2813853" y="963176"/>
+                            <a:pt x="2818188" y="1053492"/>
+                            <a:pt x="2947558" y="1281823"/>
+                          </a:cubicBezTo>
+                          <a:cubicBezTo>
+                            <a:pt x="3076928" y="1510154"/>
+                            <a:pt x="3110891" y="1645576"/>
+                            <a:pt x="3241114" y="1892215"/>
+                          </a:cubicBezTo>
+                          <a:cubicBezTo>
+                            <a:pt x="3371337" y="2138854"/>
+                            <a:pt x="3439962" y="2289970"/>
+                            <a:pt x="3490636" y="2411048"/>
+                          </a:cubicBezTo>
+                          <a:cubicBezTo>
+                            <a:pt x="3541310" y="2532126"/>
+                            <a:pt x="3705123" y="2881987"/>
+                            <a:pt x="3798870" y="3051960"/>
+                          </a:cubicBezTo>
+                          <a:cubicBezTo>
+                            <a:pt x="3504024" y="3021475"/>
+                            <a:pt x="3256052" y="3084356"/>
+                            <a:pt x="3089748" y="3051960"/>
+                          </a:cubicBezTo>
+                          <a:cubicBezTo>
+                            <a:pt x="2923444" y="3019564"/>
+                            <a:pt x="2628978" y="3053486"/>
+                            <a:pt x="2456603" y="3051960"/>
+                          </a:cubicBezTo>
+                          <a:cubicBezTo>
+                            <a:pt x="2284228" y="3050434"/>
+                            <a:pt x="2081871" y="3016693"/>
+                            <a:pt x="1747480" y="3051960"/>
+                          </a:cubicBezTo>
+                          <a:cubicBezTo>
+                            <a:pt x="1413089" y="3087227"/>
+                            <a:pt x="1374929" y="3058332"/>
+                            <a:pt x="1152324" y="3051960"/>
+                          </a:cubicBezTo>
+                          <a:cubicBezTo>
+                            <a:pt x="929719" y="3045588"/>
+                            <a:pt x="769298" y="3052124"/>
+                            <a:pt x="557168" y="3051960"/>
+                          </a:cubicBezTo>
+                          <a:cubicBezTo>
+                            <a:pt x="345038" y="3051796"/>
+                            <a:pt x="230193" y="3030434"/>
+                            <a:pt x="0" y="3051960"/>
+                          </a:cubicBezTo>
+                          <a:close/>
+                        </a:path>
+                      </a:pathLst>
+                    </a:custGeom>
+                    <ask:type>
+                      <ask:lineSketchNone/>
+                    </ask:type>
+                  </ask:lineSketchStyleProps>
+                </a:ext>
+              </a:extLst>
+            </a:ln>
+          </p:spPr>
+          <p:style>
+            <a:lnRef idx="2">
+              <a:schemeClr val="accent1">
+                <a:shade val="50000"/>
+              </a:schemeClr>
+            </a:lnRef>
+            <a:fillRef idx="1">
+              <a:schemeClr val="accent1"/>
+            </a:fillRef>
+            <a:effectRef idx="0">
+              <a:schemeClr val="accent1"/>
+            </a:effectRef>
+            <a:fontRef idx="minor">
+              <a:schemeClr val="lt1"/>
+            </a:fontRef>
+          </p:style>
+          <p:txBody>
+            <a:bodyPr rtlCol="0" anchor="ctr"/>
+            <a:lstStyle/>
+            <a:p>
+              <a:pPr algn="ctr"/>
+              <a:endParaRPr lang="en-US"/>
+            </a:p>
+          </p:txBody>
+        </p:sp>
+        <p:sp>
+          <p:nvSpPr>
+            <p:cNvPr id="40" name="Trapezoid 39">
+              <a:extLst>
+                <a:ext uri="{FF2B5EF4-FFF2-40B4-BE49-F238E27FC236}">
+                  <a16:creationId xmlns:a16="http://schemas.microsoft.com/office/drawing/2014/main" id="{FB8FA8FE-5A72-9E4D-BF62-B804C91EDD9A}"/>
+                </a:ext>
+              </a:extLst>
+            </p:cNvPr>
+            <p:cNvSpPr/>
+            <p:nvPr/>
+          </p:nvSpPr>
+          <p:spPr>
+            <a:xfrm>
+              <a:off x="3048619" y="2154072"/>
+              <a:ext cx="1680606" cy="1274927"/>
+            </a:xfrm>
+            <a:prstGeom prst="trapezoid">
+              <a:avLst>
+                <a:gd name="adj" fmla="val 61133"/>
+              </a:avLst>
+            </a:prstGeom>
+            <a:solidFill>
+              <a:schemeClr val="tx1">
+                <a:lumMod val="75000"/>
+                <a:lumOff val="25000"/>
+              </a:schemeClr>
+            </a:solidFill>
+            <a:ln w="28575">
+              <a:solidFill>
+                <a:schemeClr val="tx1"/>
+              </a:solidFill>
+              <a:extLst>
+                <a:ext uri="{C807C97D-BFC1-408E-A445-0C87EB9F89A2}">
+                  <ask:lineSketchStyleProps xmlns:ask="http://schemas.microsoft.com/office/drawing/2018/sketchyshapes" sd="628287858">
+                    <a:custGeom>
+                      <a:avLst/>
+                      <a:gdLst>
+                        <a:gd name="connsiteX0" fmla="*/ 0 w 3798870"/>
+                        <a:gd name="connsiteY0" fmla="*/ 3051960 h 3051960"/>
+                        <a:gd name="connsiteX1" fmla="*/ 293556 w 3798870"/>
+                        <a:gd name="connsiteY1" fmla="*/ 2441568 h 3051960"/>
+                        <a:gd name="connsiteX2" fmla="*/ 601789 w 3798870"/>
+                        <a:gd name="connsiteY2" fmla="*/ 1800656 h 3051960"/>
+                        <a:gd name="connsiteX3" fmla="*/ 851312 w 3798870"/>
+                        <a:gd name="connsiteY3" fmla="*/ 1281823 h 3051960"/>
+                        <a:gd name="connsiteX4" fmla="*/ 1130190 w 3798870"/>
+                        <a:gd name="connsiteY4" fmla="*/ 701951 h 3051960"/>
+                        <a:gd name="connsiteX5" fmla="*/ 1467779 w 3798870"/>
+                        <a:gd name="connsiteY5" fmla="*/ 0 h 3051960"/>
+                        <a:gd name="connsiteX6" fmla="*/ 1899435 w 3798870"/>
+                        <a:gd name="connsiteY6" fmla="*/ 0 h 3051960"/>
+                        <a:gd name="connsiteX7" fmla="*/ 2331091 w 3798870"/>
+                        <a:gd name="connsiteY7" fmla="*/ 0 h 3051960"/>
+                        <a:gd name="connsiteX8" fmla="*/ 2654002 w 3798870"/>
+                        <a:gd name="connsiteY8" fmla="*/ 671431 h 3051960"/>
+                        <a:gd name="connsiteX9" fmla="*/ 2903525 w 3798870"/>
+                        <a:gd name="connsiteY9" fmla="*/ 1190264 h 3051960"/>
+                        <a:gd name="connsiteX10" fmla="*/ 3167725 w 3798870"/>
+                        <a:gd name="connsiteY10" fmla="*/ 1739617 h 3051960"/>
+                        <a:gd name="connsiteX11" fmla="*/ 3475959 w 3798870"/>
+                        <a:gd name="connsiteY11" fmla="*/ 2380529 h 3051960"/>
+                        <a:gd name="connsiteX12" fmla="*/ 3798870 w 3798870"/>
+                        <a:gd name="connsiteY12" fmla="*/ 3051960 h 3051960"/>
+                        <a:gd name="connsiteX13" fmla="*/ 3203714 w 3798870"/>
+                        <a:gd name="connsiteY13" fmla="*/ 3051960 h 3051960"/>
+                        <a:gd name="connsiteX14" fmla="*/ 2646546 w 3798870"/>
+                        <a:gd name="connsiteY14" fmla="*/ 3051960 h 3051960"/>
+                        <a:gd name="connsiteX15" fmla="*/ 2013401 w 3798870"/>
+                        <a:gd name="connsiteY15" fmla="*/ 3051960 h 3051960"/>
+                        <a:gd name="connsiteX16" fmla="*/ 1456234 w 3798870"/>
+                        <a:gd name="connsiteY16" fmla="*/ 3051960 h 3051960"/>
+                        <a:gd name="connsiteX17" fmla="*/ 937055 w 3798870"/>
+                        <a:gd name="connsiteY17" fmla="*/ 3051960 h 3051960"/>
+                        <a:gd name="connsiteX18" fmla="*/ 0 w 3798870"/>
+                        <a:gd name="connsiteY18" fmla="*/ 3051960 h 3051960"/>
+                      </a:gdLst>
+                      <a:ahLst/>
+                      <a:cxnLst>
+                        <a:cxn ang="0">
+                          <a:pos x="connsiteX0" y="connsiteY0"/>
+                        </a:cxn>
+                        <a:cxn ang="0">
+                          <a:pos x="connsiteX1" y="connsiteY1"/>
+                        </a:cxn>
+                        <a:cxn ang="0">
+                          <a:pos x="connsiteX2" y="connsiteY2"/>
+                        </a:cxn>
+                        <a:cxn ang="0">
+                          <a:pos x="connsiteX3" y="connsiteY3"/>
+                        </a:cxn>
+                        <a:cxn ang="0">
+                          <a:pos x="connsiteX4" y="connsiteY4"/>
+                        </a:cxn>
+                        <a:cxn ang="0">
+                          <a:pos x="connsiteX5" y="connsiteY5"/>
+                        </a:cxn>
+                        <a:cxn ang="0">
+                          <a:pos x="connsiteX6" y="connsiteY6"/>
+                        </a:cxn>
+                        <a:cxn ang="0">
+                          <a:pos x="connsiteX7" y="connsiteY7"/>
+                        </a:cxn>
+                        <a:cxn ang="0">
+                          <a:pos x="connsiteX8" y="connsiteY8"/>
+                        </a:cxn>
+                        <a:cxn ang="0">
+                          <a:pos x="connsiteX9" y="connsiteY9"/>
+                        </a:cxn>
+                        <a:cxn ang="0">
+                          <a:pos x="connsiteX10" y="connsiteY10"/>
+                        </a:cxn>
+                        <a:cxn ang="0">
+                          <a:pos x="connsiteX11" y="connsiteY11"/>
+                        </a:cxn>
+                        <a:cxn ang="0">
+                          <a:pos x="connsiteX12" y="connsiteY12"/>
+                        </a:cxn>
+                        <a:cxn ang="0">
+                          <a:pos x="connsiteX13" y="connsiteY13"/>
+                        </a:cxn>
+                        <a:cxn ang="0">
+                          <a:pos x="connsiteX14" y="connsiteY14"/>
+                        </a:cxn>
+                        <a:cxn ang="0">
+                          <a:pos x="connsiteX15" y="connsiteY15"/>
+                        </a:cxn>
+                        <a:cxn ang="0">
+                          <a:pos x="connsiteX16" y="connsiteY16"/>
+                        </a:cxn>
+                        <a:cxn ang="0">
+                          <a:pos x="connsiteX17" y="connsiteY17"/>
+                        </a:cxn>
+                        <a:cxn ang="0">
+                          <a:pos x="connsiteX18" y="connsiteY18"/>
+                        </a:cxn>
+                      </a:cxnLst>
+                      <a:rect l="l" t="t" r="r" b="b"/>
+                      <a:pathLst>
+                        <a:path w="3798870" h="3051960" fill="none" extrusionOk="0">
+                          <a:moveTo>
+                            <a:pt x="0" y="3051960"/>
+                          </a:moveTo>
+                          <a:cubicBezTo>
+                            <a:pt x="131451" y="2814735"/>
+                            <a:pt x="192359" y="2693297"/>
+                            <a:pt x="293556" y="2441568"/>
+                          </a:cubicBezTo>
+                          <a:cubicBezTo>
+                            <a:pt x="394753" y="2189839"/>
+                            <a:pt x="455586" y="2116580"/>
+                            <a:pt x="601789" y="1800656"/>
+                          </a:cubicBezTo>
+                          <a:cubicBezTo>
+                            <a:pt x="747993" y="1484733"/>
+                            <a:pt x="740581" y="1477520"/>
+                            <a:pt x="851312" y="1281823"/>
+                          </a:cubicBezTo>
+                          <a:cubicBezTo>
+                            <a:pt x="962043" y="1086126"/>
+                            <a:pt x="1020765" y="998752"/>
+                            <a:pt x="1130190" y="701951"/>
+                          </a:cubicBezTo>
+                          <a:cubicBezTo>
+                            <a:pt x="1239615" y="405150"/>
+                            <a:pt x="1386417" y="145277"/>
+                            <a:pt x="1467779" y="0"/>
+                          </a:cubicBezTo>
+                          <a:cubicBezTo>
+                            <a:pt x="1562173" y="9004"/>
+                            <a:pt x="1747646" y="7893"/>
+                            <a:pt x="1899435" y="0"/>
+                          </a:cubicBezTo>
+                          <a:cubicBezTo>
+                            <a:pt x="2051224" y="-7893"/>
+                            <a:pt x="2225663" y="-10746"/>
+                            <a:pt x="2331091" y="0"/>
+                          </a:cubicBezTo>
+                          <a:cubicBezTo>
+                            <a:pt x="2471412" y="245094"/>
+                            <a:pt x="2585763" y="451162"/>
+                            <a:pt x="2654002" y="671431"/>
+                          </a:cubicBezTo>
+                          <a:cubicBezTo>
+                            <a:pt x="2722241" y="891700"/>
+                            <a:pt x="2811419" y="989480"/>
+                            <a:pt x="2903525" y="1190264"/>
+                          </a:cubicBezTo>
+                          <a:cubicBezTo>
+                            <a:pt x="2995631" y="1391048"/>
+                            <a:pt x="3105172" y="1596717"/>
+                            <a:pt x="3167725" y="1739617"/>
+                          </a:cubicBezTo>
+                          <a:cubicBezTo>
+                            <a:pt x="3230278" y="1882517"/>
+                            <a:pt x="3382994" y="2141901"/>
+                            <a:pt x="3475959" y="2380529"/>
+                          </a:cubicBezTo>
+                          <a:cubicBezTo>
+                            <a:pt x="3568924" y="2619157"/>
+                            <a:pt x="3699706" y="2765915"/>
+                            <a:pt x="3798870" y="3051960"/>
+                          </a:cubicBezTo>
+                          <a:cubicBezTo>
+                            <a:pt x="3529046" y="3061713"/>
+                            <a:pt x="3469938" y="3055598"/>
+                            <a:pt x="3203714" y="3051960"/>
+                          </a:cubicBezTo>
+                          <a:cubicBezTo>
+                            <a:pt x="2937490" y="3048322"/>
+                            <a:pt x="2828991" y="3075505"/>
+                            <a:pt x="2646546" y="3051960"/>
+                          </a:cubicBezTo>
+                          <a:cubicBezTo>
+                            <a:pt x="2464101" y="3028415"/>
+                            <a:pt x="2168594" y="3076786"/>
+                            <a:pt x="2013401" y="3051960"/>
+                          </a:cubicBezTo>
+                          <a:cubicBezTo>
+                            <a:pt x="1858209" y="3027134"/>
+                            <a:pt x="1605359" y="3042753"/>
+                            <a:pt x="1456234" y="3051960"/>
+                          </a:cubicBezTo>
+                          <a:cubicBezTo>
+                            <a:pt x="1307109" y="3061167"/>
+                            <a:pt x="1088390" y="3058707"/>
+                            <a:pt x="937055" y="3051960"/>
+                          </a:cubicBezTo>
+                          <a:cubicBezTo>
+                            <a:pt x="785720" y="3045213"/>
+                            <a:pt x="343381" y="3084205"/>
+                            <a:pt x="0" y="3051960"/>
+                          </a:cubicBezTo>
+                          <a:close/>
+                        </a:path>
+                        <a:path w="3798870" h="3051960" stroke="0" extrusionOk="0">
+                          <a:moveTo>
+                            <a:pt x="0" y="3051960"/>
+                          </a:moveTo>
+                          <a:cubicBezTo>
+                            <a:pt x="75437" y="2826647"/>
+                            <a:pt x="158307" y="2683216"/>
+                            <a:pt x="322911" y="2380529"/>
+                          </a:cubicBezTo>
+                          <a:cubicBezTo>
+                            <a:pt x="487515" y="2077842"/>
+                            <a:pt x="508603" y="2001725"/>
+                            <a:pt x="572434" y="1861696"/>
+                          </a:cubicBezTo>
+                          <a:cubicBezTo>
+                            <a:pt x="636265" y="1721667"/>
+                            <a:pt x="726443" y="1467154"/>
+                            <a:pt x="865990" y="1251304"/>
+                          </a:cubicBezTo>
+                          <a:cubicBezTo>
+                            <a:pt x="1005537" y="1035454"/>
+                            <a:pt x="1060827" y="879258"/>
+                            <a:pt x="1144868" y="671431"/>
+                          </a:cubicBezTo>
+                          <a:cubicBezTo>
+                            <a:pt x="1228909" y="463604"/>
+                            <a:pt x="1381668" y="140251"/>
+                            <a:pt x="1467779" y="0"/>
+                          </a:cubicBezTo>
+                          <a:cubicBezTo>
+                            <a:pt x="1589825" y="-11930"/>
+                            <a:pt x="1745036" y="3951"/>
+                            <a:pt x="1882169" y="0"/>
+                          </a:cubicBezTo>
+                          <a:cubicBezTo>
+                            <a:pt x="2019302" y="-3951"/>
+                            <a:pt x="2195662" y="5589"/>
+                            <a:pt x="2331091" y="0"/>
+                          </a:cubicBezTo>
+                          <a:cubicBezTo>
+                            <a:pt x="2436761" y="161251"/>
+                            <a:pt x="2494151" y="379686"/>
+                            <a:pt x="2654002" y="671431"/>
+                          </a:cubicBezTo>
+                          <a:cubicBezTo>
+                            <a:pt x="2813853" y="963176"/>
+                            <a:pt x="2818188" y="1053492"/>
+                            <a:pt x="2947558" y="1281823"/>
+                          </a:cubicBezTo>
+                          <a:cubicBezTo>
+                            <a:pt x="3076928" y="1510154"/>
+                            <a:pt x="3110891" y="1645576"/>
+                            <a:pt x="3241114" y="1892215"/>
+                          </a:cubicBezTo>
+                          <a:cubicBezTo>
+                            <a:pt x="3371337" y="2138854"/>
+                            <a:pt x="3439962" y="2289970"/>
+                            <a:pt x="3490636" y="2411048"/>
+                          </a:cubicBezTo>
+                          <a:cubicBezTo>
+                            <a:pt x="3541310" y="2532126"/>
+                            <a:pt x="3705123" y="2881987"/>
+                            <a:pt x="3798870" y="3051960"/>
+                          </a:cubicBezTo>
+                          <a:cubicBezTo>
+                            <a:pt x="3504024" y="3021475"/>
+                            <a:pt x="3256052" y="3084356"/>
+                            <a:pt x="3089748" y="3051960"/>
+                          </a:cubicBezTo>
+                          <a:cubicBezTo>
+                            <a:pt x="2923444" y="3019564"/>
+                            <a:pt x="2628978" y="3053486"/>
+                            <a:pt x="2456603" y="3051960"/>
+                          </a:cubicBezTo>
+                          <a:cubicBezTo>
+                            <a:pt x="2284228" y="3050434"/>
+                            <a:pt x="2081871" y="3016693"/>
+                            <a:pt x="1747480" y="3051960"/>
+                          </a:cubicBezTo>
+                          <a:cubicBezTo>
+                            <a:pt x="1413089" y="3087227"/>
+                            <a:pt x="1374929" y="3058332"/>
+                            <a:pt x="1152324" y="3051960"/>
+                          </a:cubicBezTo>
+                          <a:cubicBezTo>
+                            <a:pt x="929719" y="3045588"/>
+                            <a:pt x="769298" y="3052124"/>
+                            <a:pt x="557168" y="3051960"/>
+                          </a:cubicBezTo>
+                          <a:cubicBezTo>
+                            <a:pt x="345038" y="3051796"/>
+                            <a:pt x="230193" y="3030434"/>
+                            <a:pt x="0" y="3051960"/>
+                          </a:cubicBezTo>
+                          <a:close/>
+                        </a:path>
+                      </a:pathLst>
+                    </a:custGeom>
+                    <ask:type>
+                      <ask:lineSketchNone/>
+                    </ask:type>
+                  </ask:lineSketchStyleProps>
+                </a:ext>
+              </a:extLst>
+            </a:ln>
+          </p:spPr>
+          <p:style>
+            <a:lnRef idx="2">
+              <a:schemeClr val="accent1">
+                <a:shade val="50000"/>
+              </a:schemeClr>
+            </a:lnRef>
+            <a:fillRef idx="1">
+              <a:schemeClr val="accent1"/>
+            </a:fillRef>
+            <a:effectRef idx="0">
+              <a:schemeClr val="accent1"/>
+            </a:effectRef>
+            <a:fontRef idx="minor">
+              <a:schemeClr val="lt1"/>
+            </a:fontRef>
+          </p:style>
+          <p:txBody>
+            <a:bodyPr rtlCol="0" anchor="ctr"/>
+            <a:lstStyle/>
+            <a:p>
+              <a:pPr algn="ctr"/>
+              <a:endParaRPr lang="en-US"/>
+            </a:p>
+          </p:txBody>
+        </p:sp>
+        <p:sp>
+          <p:nvSpPr>
+            <p:cNvPr id="42" name="Oval 41">
+              <a:extLst>
+                <a:ext uri="{FF2B5EF4-FFF2-40B4-BE49-F238E27FC236}">
+                  <a16:creationId xmlns:a16="http://schemas.microsoft.com/office/drawing/2014/main" id="{AF9D9721-ED39-3843-A976-8EFCA1A04E70}"/>
+                </a:ext>
+              </a:extLst>
+            </p:cNvPr>
+            <p:cNvSpPr/>
+            <p:nvPr/>
+          </p:nvSpPr>
+          <p:spPr>
+            <a:xfrm>
+              <a:off x="4058330" y="1695156"/>
+              <a:ext cx="974829" cy="917833"/>
+            </a:xfrm>
+            <a:prstGeom prst="ellipse">
+              <a:avLst/>
+            </a:prstGeom>
+            <a:solidFill>
+              <a:schemeClr val="bg1"/>
+            </a:solidFill>
+            <a:ln w="76200">
+              <a:solidFill>
+                <a:schemeClr val="tx1"/>
+              </a:solidFill>
+            </a:ln>
+          </p:spPr>
+          <p:style>
+            <a:lnRef idx="2">
+              <a:schemeClr val="accent1">
+                <a:shade val="50000"/>
+              </a:schemeClr>
+            </a:lnRef>
+            <a:fillRef idx="1">
+              <a:schemeClr val="accent1"/>
+            </a:fillRef>
+            <a:effectRef idx="0">
+              <a:schemeClr val="accent1"/>
+            </a:effectRef>
+            <a:fontRef idx="minor">
+              <a:schemeClr val="lt1"/>
+            </a:fontRef>
+          </p:style>
+          <p:txBody>
+            <a:bodyPr rtlCol="0" anchor="ctr"/>
+            <a:lstStyle/>
+            <a:p>
+              <a:pPr algn="ctr"/>
+              <a:r>
+                <a:rPr lang="en-US" sz="6000" b="1" dirty="0">
+                  <a:solidFill>
+                    <a:schemeClr val="tx1"/>
+                  </a:solidFill>
+                </a:rPr>
+                <a:t>L</a:t>
+              </a:r>
+            </a:p>
+          </p:txBody>
+        </p:sp>
+      </p:grpSp>
     </p:spTree>
     <p:extLst>
       <p:ext uri="{BB962C8B-B14F-4D97-AF65-F5344CB8AC3E}">
         <p14:creationId xmlns:p14="http://schemas.microsoft.com/office/powerpoint/2010/main" val="3631336885"/>
+      </p:ext>
+    </p:extLst>
+  </p:cSld>
+  <p:clrMapOvr>
+    <a:masterClrMapping/>
+  </p:clrMapOvr>
+</p:sld>
+</file>
+
+<file path=ppt/slides/slide4.xml><?xml version="1.0" encoding="utf-8"?>
+<p:sld xmlns:a="http://schemas.openxmlformats.org/drawingml/2006/main" xmlns:r="http://schemas.openxmlformats.org/officeDocument/2006/relationships" xmlns:p="http://schemas.openxmlformats.org/presentationml/2006/main">
+  <p:cSld>
+    <p:spTree>
+      <p:nvGrpSpPr>
+        <p:cNvPr id="1" name=""/>
+        <p:cNvGrpSpPr/>
+        <p:nvPr/>
+      </p:nvGrpSpPr>
+      <p:grpSpPr>
+        <a:xfrm>
+          <a:off x="0" y="0"/>
+          <a:ext cx="0" cy="0"/>
+          <a:chOff x="0" y="0"/>
+          <a:chExt cx="0" cy="0"/>
+        </a:xfrm>
+      </p:grpSpPr>
+      <p:grpSp>
+        <p:nvGrpSpPr>
+          <p:cNvPr id="7" name="Group 6">
+            <a:extLst>
+              <a:ext uri="{FF2B5EF4-FFF2-40B4-BE49-F238E27FC236}">
+                <a16:creationId xmlns:a16="http://schemas.microsoft.com/office/drawing/2014/main" id="{71B72C67-4922-8C40-A75E-510245F242C5}"/>
+              </a:ext>
+            </a:extLst>
+          </p:cNvPr>
+          <p:cNvGrpSpPr/>
+          <p:nvPr/>
+        </p:nvGrpSpPr>
+        <p:grpSpPr>
+          <a:xfrm>
+            <a:off x="475013" y="510638"/>
+            <a:ext cx="4263242" cy="1066800"/>
+            <a:chOff x="1686296" y="1151906"/>
+            <a:chExt cx="4263242" cy="1066800"/>
+          </a:xfrm>
+        </p:grpSpPr>
+        <p:sp>
+          <p:nvSpPr>
+            <p:cNvPr id="4" name="Rectangle 3">
+              <a:extLst>
+                <a:ext uri="{FF2B5EF4-FFF2-40B4-BE49-F238E27FC236}">
+                  <a16:creationId xmlns:a16="http://schemas.microsoft.com/office/drawing/2014/main" id="{531CF288-BCF3-BB44-8F6A-B7719D6EA636}"/>
+                </a:ext>
+              </a:extLst>
+            </p:cNvPr>
+            <p:cNvSpPr/>
+            <p:nvPr/>
+          </p:nvSpPr>
+          <p:spPr>
+            <a:xfrm>
+              <a:off x="1686296" y="1151906"/>
+              <a:ext cx="4263242" cy="190006"/>
+            </a:xfrm>
+            <a:prstGeom prst="rect">
+              <a:avLst/>
+            </a:prstGeom>
+            <a:solidFill>
+              <a:schemeClr val="tx1">
+                <a:lumMod val="65000"/>
+                <a:lumOff val="35000"/>
+              </a:schemeClr>
+            </a:solidFill>
+            <a:ln>
+              <a:solidFill>
+                <a:schemeClr val="tx1"/>
+              </a:solidFill>
+            </a:ln>
+          </p:spPr>
+          <p:style>
+            <a:lnRef idx="2">
+              <a:schemeClr val="accent1">
+                <a:shade val="50000"/>
+              </a:schemeClr>
+            </a:lnRef>
+            <a:fillRef idx="1">
+              <a:schemeClr val="accent1"/>
+            </a:fillRef>
+            <a:effectRef idx="0">
+              <a:schemeClr val="accent1"/>
+            </a:effectRef>
+            <a:fontRef idx="minor">
+              <a:schemeClr val="lt1"/>
+            </a:fontRef>
+          </p:style>
+          <p:txBody>
+            <a:bodyPr rtlCol="0" anchor="ctr"/>
+            <a:lstStyle/>
+            <a:p>
+              <a:pPr algn="ctr"/>
+              <a:endParaRPr lang="en-US"/>
+            </a:p>
+          </p:txBody>
+        </p:sp>
+        <p:sp>
+          <p:nvSpPr>
+            <p:cNvPr id="5" name="Rectangle 4">
+              <a:extLst>
+                <a:ext uri="{FF2B5EF4-FFF2-40B4-BE49-F238E27FC236}">
+                  <a16:creationId xmlns:a16="http://schemas.microsoft.com/office/drawing/2014/main" id="{58600DD5-22F7-BA4D-BAF6-BBEDCCBF9F0F}"/>
+                </a:ext>
+              </a:extLst>
+            </p:cNvPr>
+            <p:cNvSpPr/>
+            <p:nvPr/>
+          </p:nvSpPr>
+          <p:spPr>
+            <a:xfrm>
+              <a:off x="1686296" y="2028700"/>
+              <a:ext cx="4263242" cy="190006"/>
+            </a:xfrm>
+            <a:prstGeom prst="rect">
+              <a:avLst/>
+            </a:prstGeom>
+            <a:solidFill>
+              <a:schemeClr val="tx1">
+                <a:lumMod val="65000"/>
+                <a:lumOff val="35000"/>
+              </a:schemeClr>
+            </a:solidFill>
+            <a:ln>
+              <a:solidFill>
+                <a:schemeClr val="tx1"/>
+              </a:solidFill>
+            </a:ln>
+          </p:spPr>
+          <p:style>
+            <a:lnRef idx="2">
+              <a:schemeClr val="accent1">
+                <a:shade val="50000"/>
+              </a:schemeClr>
+            </a:lnRef>
+            <a:fillRef idx="1">
+              <a:schemeClr val="accent1"/>
+            </a:fillRef>
+            <a:effectRef idx="0">
+              <a:schemeClr val="accent1"/>
+            </a:effectRef>
+            <a:fontRef idx="minor">
+              <a:schemeClr val="lt1"/>
+            </a:fontRef>
+          </p:style>
+          <p:txBody>
+            <a:bodyPr rtlCol="0" anchor="ctr"/>
+            <a:lstStyle/>
+            <a:p>
+              <a:pPr algn="ctr"/>
+              <a:endParaRPr lang="en-US"/>
+            </a:p>
+          </p:txBody>
+        </p:sp>
+        <p:sp>
+          <p:nvSpPr>
+            <p:cNvPr id="6" name="Rectangle 5">
+              <a:extLst>
+                <a:ext uri="{FF2B5EF4-FFF2-40B4-BE49-F238E27FC236}">
+                  <a16:creationId xmlns:a16="http://schemas.microsoft.com/office/drawing/2014/main" id="{2A8C53F5-4681-B847-86B0-120A66215065}"/>
+                </a:ext>
+              </a:extLst>
+            </p:cNvPr>
+            <p:cNvSpPr/>
+            <p:nvPr/>
+          </p:nvSpPr>
+          <p:spPr>
+            <a:xfrm>
+              <a:off x="1686296" y="1341912"/>
+              <a:ext cx="4263242" cy="686788"/>
+            </a:xfrm>
+            <a:prstGeom prst="rect">
+              <a:avLst/>
+            </a:prstGeom>
+            <a:solidFill>
+              <a:schemeClr val="tx2"/>
+            </a:solidFill>
+            <a:ln>
+              <a:solidFill>
+                <a:schemeClr val="tx1"/>
+              </a:solidFill>
+            </a:ln>
+          </p:spPr>
+          <p:style>
+            <a:lnRef idx="2">
+              <a:schemeClr val="accent1">
+                <a:shade val="50000"/>
+              </a:schemeClr>
+            </a:lnRef>
+            <a:fillRef idx="1">
+              <a:schemeClr val="accent1"/>
+            </a:fillRef>
+            <a:effectRef idx="0">
+              <a:schemeClr val="accent1"/>
+            </a:effectRef>
+            <a:fontRef idx="minor">
+              <a:schemeClr val="lt1"/>
+            </a:fontRef>
+          </p:style>
+          <p:txBody>
+            <a:bodyPr rtlCol="0" anchor="ctr"/>
+            <a:lstStyle/>
+            <a:p>
+              <a:pPr algn="ctr"/>
+              <a:endParaRPr lang="en-US"/>
+            </a:p>
+          </p:txBody>
+        </p:sp>
+      </p:grpSp>
+    </p:spTree>
+    <p:extLst>
+      <p:ext uri="{BB962C8B-B14F-4D97-AF65-F5344CB8AC3E}">
+        <p14:creationId xmlns:p14="http://schemas.microsoft.com/office/powerpoint/2010/main" val="1789867928"/>
       </p:ext>
     </p:extLst>
   </p:cSld>

--- a/images/propulsionElements/rcsMockups.pptx
+++ b/images/propulsionElements/rcsMockups.pptx
@@ -9956,6 +9956,60 @@
           </p:txBody>
         </p:sp>
       </p:grpSp>
+      <p:sp>
+        <p:nvSpPr>
+          <p:cNvPr id="2" name="Oval 1">
+            <a:extLst>
+              <a:ext uri="{FF2B5EF4-FFF2-40B4-BE49-F238E27FC236}">
+                <a16:creationId xmlns:a16="http://schemas.microsoft.com/office/drawing/2014/main" id="{3A1095AC-6A79-CB42-A4F7-DA1BCDC8A8C1}"/>
+              </a:ext>
+            </a:extLst>
+          </p:cNvPr>
+          <p:cNvSpPr/>
+          <p:nvPr/>
+        </p:nvSpPr>
+        <p:spPr>
+          <a:xfrm>
+            <a:off x="843149" y="2585852"/>
+            <a:ext cx="855023" cy="843148"/>
+          </a:xfrm>
+          <a:prstGeom prst="ellipse">
+            <a:avLst/>
+          </a:prstGeom>
+          <a:solidFill>
+            <a:schemeClr val="bg1"/>
+          </a:solidFill>
+          <a:ln w="76200">
+            <a:solidFill>
+              <a:schemeClr val="tx1"/>
+            </a:solidFill>
+          </a:ln>
+        </p:spPr>
+        <p:style>
+          <a:lnRef idx="2">
+            <a:schemeClr val="accent1">
+              <a:shade val="50000"/>
+            </a:schemeClr>
+          </a:lnRef>
+          <a:fillRef idx="1">
+            <a:schemeClr val="accent1"/>
+          </a:fillRef>
+          <a:effectRef idx="0">
+            <a:schemeClr val="accent1"/>
+          </a:effectRef>
+          <a:fontRef idx="minor">
+            <a:schemeClr val="lt1"/>
+          </a:fontRef>
+        </p:style>
+        <p:txBody>
+          <a:bodyPr rtlCol="0" anchor="ctr"/>
+          <a:lstStyle/>
+          <a:p>
+            <a:pPr algn="ctr"/>
+            <a:endParaRPr lang="en-US"/>
+          </a:p>
+        </p:txBody>
+      </p:sp>
     </p:spTree>
     <p:extLst>
       <p:ext uri="{BB962C8B-B14F-4D97-AF65-F5344CB8AC3E}">

--- a/images/propulsionElements/rcsMockups.pptx
+++ b/images/propulsionElements/rcsMockups.pptx
@@ -262,7 +262,7 @@
           <a:p>
             <a:fld id="{48119B2E-822D-0646-9635-2ECFF55D1B89}" type="datetimeFigureOut">
               <a:rPr lang="en-US" smtClean="0"/>
-              <a:t>11/28/19</a:t>
+              <a:t>11/29/19</a:t>
             </a:fld>
             <a:endParaRPr lang="en-US"/>
           </a:p>
@@ -460,7 +460,7 @@
           <a:p>
             <a:fld id="{48119B2E-822D-0646-9635-2ECFF55D1B89}" type="datetimeFigureOut">
               <a:rPr lang="en-US" smtClean="0"/>
-              <a:t>11/28/19</a:t>
+              <a:t>11/29/19</a:t>
             </a:fld>
             <a:endParaRPr lang="en-US"/>
           </a:p>
@@ -668,7 +668,7 @@
           <a:p>
             <a:fld id="{48119B2E-822D-0646-9635-2ECFF55D1B89}" type="datetimeFigureOut">
               <a:rPr lang="en-US" smtClean="0"/>
-              <a:t>11/28/19</a:t>
+              <a:t>11/29/19</a:t>
             </a:fld>
             <a:endParaRPr lang="en-US"/>
           </a:p>
@@ -866,7 +866,7 @@
           <a:p>
             <a:fld id="{48119B2E-822D-0646-9635-2ECFF55D1B89}" type="datetimeFigureOut">
               <a:rPr lang="en-US" smtClean="0"/>
-              <a:t>11/28/19</a:t>
+              <a:t>11/29/19</a:t>
             </a:fld>
             <a:endParaRPr lang="en-US"/>
           </a:p>
@@ -1141,7 +1141,7 @@
           <a:p>
             <a:fld id="{48119B2E-822D-0646-9635-2ECFF55D1B89}" type="datetimeFigureOut">
               <a:rPr lang="en-US" smtClean="0"/>
-              <a:t>11/28/19</a:t>
+              <a:t>11/29/19</a:t>
             </a:fld>
             <a:endParaRPr lang="en-US"/>
           </a:p>
@@ -1406,7 +1406,7 @@
           <a:p>
             <a:fld id="{48119B2E-822D-0646-9635-2ECFF55D1B89}" type="datetimeFigureOut">
               <a:rPr lang="en-US" smtClean="0"/>
-              <a:t>11/28/19</a:t>
+              <a:t>11/29/19</a:t>
             </a:fld>
             <a:endParaRPr lang="en-US"/>
           </a:p>
@@ -1818,7 +1818,7 @@
           <a:p>
             <a:fld id="{48119B2E-822D-0646-9635-2ECFF55D1B89}" type="datetimeFigureOut">
               <a:rPr lang="en-US" smtClean="0"/>
-              <a:t>11/28/19</a:t>
+              <a:t>11/29/19</a:t>
             </a:fld>
             <a:endParaRPr lang="en-US"/>
           </a:p>
@@ -1959,7 +1959,7 @@
           <a:p>
             <a:fld id="{48119B2E-822D-0646-9635-2ECFF55D1B89}" type="datetimeFigureOut">
               <a:rPr lang="en-US" smtClean="0"/>
-              <a:t>11/28/19</a:t>
+              <a:t>11/29/19</a:t>
             </a:fld>
             <a:endParaRPr lang="en-US"/>
           </a:p>
@@ -2072,7 +2072,7 @@
           <a:p>
             <a:fld id="{48119B2E-822D-0646-9635-2ECFF55D1B89}" type="datetimeFigureOut">
               <a:rPr lang="en-US" smtClean="0"/>
-              <a:t>11/28/19</a:t>
+              <a:t>11/29/19</a:t>
             </a:fld>
             <a:endParaRPr lang="en-US"/>
           </a:p>
@@ -2383,7 +2383,7 @@
           <a:p>
             <a:fld id="{48119B2E-822D-0646-9635-2ECFF55D1B89}" type="datetimeFigureOut">
               <a:rPr lang="en-US" smtClean="0"/>
-              <a:t>11/28/19</a:t>
+              <a:t>11/29/19</a:t>
             </a:fld>
             <a:endParaRPr lang="en-US"/>
           </a:p>
@@ -2671,7 +2671,7 @@
           <a:p>
             <a:fld id="{48119B2E-822D-0646-9635-2ECFF55D1B89}" type="datetimeFigureOut">
               <a:rPr lang="en-US" smtClean="0"/>
-              <a:t>11/28/19</a:t>
+              <a:t>11/29/19</a:t>
             </a:fld>
             <a:endParaRPr lang="en-US"/>
           </a:p>
@@ -2912,7 +2912,7 @@
           <a:p>
             <a:fld id="{48119B2E-822D-0646-9635-2ECFF55D1B89}" type="datetimeFigureOut">
               <a:rPr lang="en-US" smtClean="0"/>
-              <a:t>11/28/19</a:t>
+              <a:t>11/29/19</a:t>
             </a:fld>
             <a:endParaRPr lang="en-US"/>
           </a:p>
@@ -9737,6 +9737,220 @@
           </p:txBody>
         </p:sp>
       </p:grpSp>
+      <p:cxnSp>
+        <p:nvCxnSpPr>
+          <p:cNvPr id="3" name="Straight Connector 2">
+            <a:extLst>
+              <a:ext uri="{FF2B5EF4-FFF2-40B4-BE49-F238E27FC236}">
+                <a16:creationId xmlns:a16="http://schemas.microsoft.com/office/drawing/2014/main" id="{E2F38234-FB2B-5D4A-97FC-A88034DC0610}"/>
+              </a:ext>
+            </a:extLst>
+          </p:cNvPr>
+          <p:cNvCxnSpPr>
+            <a:stCxn id="23" idx="0"/>
+            <a:endCxn id="23" idx="2"/>
+          </p:cNvCxnSpPr>
+          <p:nvPr/>
+        </p:nvCxnSpPr>
+        <p:spPr>
+          <a:xfrm>
+            <a:off x="3028750" y="4508250"/>
+            <a:ext cx="2505694" cy="0"/>
+          </a:xfrm>
+          <a:prstGeom prst="line">
+            <a:avLst/>
+          </a:prstGeom>
+          <a:ln w="130175">
+            <a:solidFill>
+              <a:schemeClr val="tx1"/>
+            </a:solidFill>
+          </a:ln>
+        </p:spPr>
+        <p:style>
+          <a:lnRef idx="1">
+            <a:schemeClr val="accent1"/>
+          </a:lnRef>
+          <a:fillRef idx="0">
+            <a:schemeClr val="accent1"/>
+          </a:fillRef>
+          <a:effectRef idx="0">
+            <a:schemeClr val="accent1"/>
+          </a:effectRef>
+          <a:fontRef idx="minor">
+            <a:schemeClr val="tx1"/>
+          </a:fontRef>
+        </p:style>
+      </p:cxnSp>
+      <p:cxnSp>
+        <p:nvCxnSpPr>
+          <p:cNvPr id="24" name="Straight Connector 23">
+            <a:extLst>
+              <a:ext uri="{FF2B5EF4-FFF2-40B4-BE49-F238E27FC236}">
+                <a16:creationId xmlns:a16="http://schemas.microsoft.com/office/drawing/2014/main" id="{F467A552-8446-424B-9643-DE861FD0CF76}"/>
+              </a:ext>
+            </a:extLst>
+          </p:cNvPr>
+          <p:cNvCxnSpPr/>
+          <p:nvPr/>
+        </p:nvCxnSpPr>
+        <p:spPr>
+          <a:xfrm>
+            <a:off x="9120114" y="5596933"/>
+            <a:ext cx="1114425" cy="0"/>
+          </a:xfrm>
+          <a:prstGeom prst="line">
+            <a:avLst/>
+          </a:prstGeom>
+          <a:ln w="41275">
+            <a:solidFill>
+              <a:schemeClr val="tx1"/>
+            </a:solidFill>
+          </a:ln>
+        </p:spPr>
+        <p:style>
+          <a:lnRef idx="1">
+            <a:schemeClr val="accent1"/>
+          </a:lnRef>
+          <a:fillRef idx="0">
+            <a:schemeClr val="accent1"/>
+          </a:fillRef>
+          <a:effectRef idx="0">
+            <a:schemeClr val="accent1"/>
+          </a:effectRef>
+          <a:fontRef idx="minor">
+            <a:schemeClr val="tx1"/>
+          </a:fontRef>
+        </p:style>
+      </p:cxnSp>
+      <p:cxnSp>
+        <p:nvCxnSpPr>
+          <p:cNvPr id="45" name="Straight Connector 44">
+            <a:extLst>
+              <a:ext uri="{FF2B5EF4-FFF2-40B4-BE49-F238E27FC236}">
+                <a16:creationId xmlns:a16="http://schemas.microsoft.com/office/drawing/2014/main" id="{43B1C24B-3620-744F-B174-F9D87363DFF4}"/>
+              </a:ext>
+            </a:extLst>
+          </p:cNvPr>
+          <p:cNvCxnSpPr>
+            <a:cxnSpLocks/>
+          </p:cNvCxnSpPr>
+          <p:nvPr/>
+        </p:nvCxnSpPr>
+        <p:spPr>
+          <a:xfrm flipV="1">
+            <a:off x="9120114" y="5596933"/>
+            <a:ext cx="1114425" cy="276451"/>
+          </a:xfrm>
+          <a:prstGeom prst="line">
+            <a:avLst/>
+          </a:prstGeom>
+          <a:ln w="41275">
+            <a:solidFill>
+              <a:schemeClr val="tx1"/>
+            </a:solidFill>
+          </a:ln>
+        </p:spPr>
+        <p:style>
+          <a:lnRef idx="1">
+            <a:schemeClr val="accent1"/>
+          </a:lnRef>
+          <a:fillRef idx="0">
+            <a:schemeClr val="accent1"/>
+          </a:fillRef>
+          <a:effectRef idx="0">
+            <a:schemeClr val="accent1"/>
+          </a:effectRef>
+          <a:fontRef idx="minor">
+            <a:schemeClr val="tx1"/>
+          </a:fontRef>
+        </p:style>
+      </p:cxnSp>
+      <p:cxnSp>
+        <p:nvCxnSpPr>
+          <p:cNvPr id="48" name="Straight Connector 47">
+            <a:extLst>
+              <a:ext uri="{FF2B5EF4-FFF2-40B4-BE49-F238E27FC236}">
+                <a16:creationId xmlns:a16="http://schemas.microsoft.com/office/drawing/2014/main" id="{4611BF58-5086-3340-92E6-575C4748D09D}"/>
+              </a:ext>
+            </a:extLst>
+          </p:cNvPr>
+          <p:cNvCxnSpPr>
+            <a:cxnSpLocks/>
+          </p:cNvCxnSpPr>
+          <p:nvPr/>
+        </p:nvCxnSpPr>
+        <p:spPr>
+          <a:xfrm>
+            <a:off x="9163250" y="5873384"/>
+            <a:ext cx="1071289" cy="127366"/>
+          </a:xfrm>
+          <a:prstGeom prst="line">
+            <a:avLst/>
+          </a:prstGeom>
+          <a:ln w="41275">
+            <a:solidFill>
+              <a:schemeClr val="tx1"/>
+            </a:solidFill>
+          </a:ln>
+        </p:spPr>
+        <p:style>
+          <a:lnRef idx="1">
+            <a:schemeClr val="accent1"/>
+          </a:lnRef>
+          <a:fillRef idx="0">
+            <a:schemeClr val="accent1"/>
+          </a:fillRef>
+          <a:effectRef idx="0">
+            <a:schemeClr val="accent1"/>
+          </a:effectRef>
+          <a:fontRef idx="minor">
+            <a:schemeClr val="tx1"/>
+          </a:fontRef>
+        </p:style>
+      </p:cxnSp>
+      <p:cxnSp>
+        <p:nvCxnSpPr>
+          <p:cNvPr id="50" name="Straight Connector 49">
+            <a:extLst>
+              <a:ext uri="{FF2B5EF4-FFF2-40B4-BE49-F238E27FC236}">
+                <a16:creationId xmlns:a16="http://schemas.microsoft.com/office/drawing/2014/main" id="{7B5EFA09-8B81-FB4A-8E0F-6D0AA75272E9}"/>
+              </a:ext>
+            </a:extLst>
+          </p:cNvPr>
+          <p:cNvCxnSpPr>
+            <a:cxnSpLocks/>
+          </p:cNvCxnSpPr>
+          <p:nvPr/>
+        </p:nvCxnSpPr>
+        <p:spPr>
+          <a:xfrm flipV="1">
+            <a:off x="9163250" y="6025784"/>
+            <a:ext cx="1071289" cy="195639"/>
+          </a:xfrm>
+          <a:prstGeom prst="line">
+            <a:avLst/>
+          </a:prstGeom>
+          <a:ln w="41275">
+            <a:solidFill>
+              <a:schemeClr val="tx1"/>
+            </a:solidFill>
+          </a:ln>
+        </p:spPr>
+        <p:style>
+          <a:lnRef idx="1">
+            <a:schemeClr val="accent1"/>
+          </a:lnRef>
+          <a:fillRef idx="0">
+            <a:schemeClr val="accent1"/>
+          </a:fillRef>
+          <a:effectRef idx="0">
+            <a:schemeClr val="accent1"/>
+          </a:effectRef>
+          <a:fontRef idx="minor">
+            <a:schemeClr val="tx1"/>
+          </a:fontRef>
+        </p:style>
+      </p:cxnSp>
     </p:spTree>
     <p:extLst>
       <p:ext uri="{BB962C8B-B14F-4D97-AF65-F5344CB8AC3E}">
